--- a/Lesson3.pptx
+++ b/Lesson3.pptx
@@ -3261,7 +3261,7 @@
           <a:p>
             <a:fld id="{B3E85FA4-0BF1-4624-B558-8D6F7C4705DF}" type="datetimeFigureOut">
               <a:rPr lang="en-US" smtClean="0"/>
-              <a:t>9/25/2012</a:t>
+              <a:t>5/8/2013</a:t>
             </a:fld>
             <a:endParaRPr lang="en-US"/>
           </a:p>
@@ -3773,6 +3773,10 @@
               <a:rPr lang="en-US" baseline="0" dirty="0" smtClean="0"/>
               <a:t>. </a:t>
             </a:r>
+            <a:r>
+              <a:rPr lang="en-US" baseline="0" dirty="0" smtClean="0"/>
+              <a:t>Your first clue is looking at their samples. The interface shows the old tools and the multicolor Google Log</a:t>
+            </a:r>
             <a:endParaRPr lang="en-US" dirty="0"/>
           </a:p>
         </p:txBody>
@@ -4217,7 +4221,7 @@
           <a:p>
             <a:fld id="{0E2A55ED-DD07-4463-BF52-CBAFC7E1266F}" type="datetimeFigureOut">
               <a:rPr lang="en-US" smtClean="0"/>
-              <a:t>9/25/2012</a:t>
+              <a:t>5/8/2013</a:t>
             </a:fld>
             <a:endParaRPr lang="en-US"/>
           </a:p>
@@ -4389,7 +4393,7 @@
           <a:p>
             <a:fld id="{0E2A55ED-DD07-4463-BF52-CBAFC7E1266F}" type="datetimeFigureOut">
               <a:rPr lang="en-US" smtClean="0"/>
-              <a:t>9/25/2012</a:t>
+              <a:t>5/8/2013</a:t>
             </a:fld>
             <a:endParaRPr lang="en-US"/>
           </a:p>
@@ -4571,7 +4575,7 @@
           <a:p>
             <a:fld id="{0E2A55ED-DD07-4463-BF52-CBAFC7E1266F}" type="datetimeFigureOut">
               <a:rPr lang="en-US" smtClean="0"/>
-              <a:t>9/25/2012</a:t>
+              <a:t>5/8/2013</a:t>
             </a:fld>
             <a:endParaRPr lang="en-US"/>
           </a:p>
@@ -4748,7 +4752,7 @@
           <a:p>
             <a:fld id="{0E2A55ED-DD07-4463-BF52-CBAFC7E1266F}" type="datetimeFigureOut">
               <a:rPr lang="en-US" smtClean="0"/>
-              <a:t>9/25/2012</a:t>
+              <a:t>5/8/2013</a:t>
             </a:fld>
             <a:endParaRPr lang="en-US"/>
           </a:p>
@@ -4872,7 +4876,7 @@
           <a:p>
             <a:fld id="{0E2A55ED-DD07-4463-BF52-CBAFC7E1266F}" type="datetimeFigureOut">
               <a:rPr lang="en-US" smtClean="0"/>
-              <a:t>9/25/2012</a:t>
+              <a:t>5/8/2013</a:t>
             </a:fld>
             <a:endParaRPr lang="en-US"/>
           </a:p>
@@ -5151,7 +5155,7 @@
           <a:p>
             <a:fld id="{0E2A55ED-DD07-4463-BF52-CBAFC7E1266F}" type="datetimeFigureOut">
               <a:rPr lang="en-US" smtClean="0"/>
-              <a:t>9/25/2012</a:t>
+              <a:t>5/8/2013</a:t>
             </a:fld>
             <a:endParaRPr lang="en-US"/>
           </a:p>
@@ -5420,7 +5424,7 @@
           <a:p>
             <a:fld id="{0E2A55ED-DD07-4463-BF52-CBAFC7E1266F}" type="datetimeFigureOut">
               <a:rPr lang="en-US" smtClean="0"/>
-              <a:t>9/25/2012</a:t>
+              <a:t>5/8/2013</a:t>
             </a:fld>
             <a:endParaRPr lang="en-US"/>
           </a:p>
@@ -5874,7 +5878,7 @@
           <a:p>
             <a:fld id="{0E2A55ED-DD07-4463-BF52-CBAFC7E1266F}" type="datetimeFigureOut">
               <a:rPr lang="en-US" smtClean="0"/>
-              <a:t>9/25/2012</a:t>
+              <a:t>5/8/2013</a:t>
             </a:fld>
             <a:endParaRPr lang="en-US"/>
           </a:p>
@@ -5994,7 +5998,7 @@
           <a:p>
             <a:fld id="{0E2A55ED-DD07-4463-BF52-CBAFC7E1266F}" type="datetimeFigureOut">
               <a:rPr lang="en-US" smtClean="0"/>
-              <a:t>9/25/2012</a:t>
+              <a:t>5/8/2013</a:t>
             </a:fld>
             <a:endParaRPr lang="en-US"/>
           </a:p>
@@ -6251,7 +6255,7 @@
           <a:p>
             <a:fld id="{0E2A55ED-DD07-4463-BF52-CBAFC7E1266F}" type="datetimeFigureOut">
               <a:rPr lang="en-US" smtClean="0"/>
-              <a:t>9/25/2012</a:t>
+              <a:t>5/8/2013</a:t>
             </a:fld>
             <a:endParaRPr lang="en-US"/>
           </a:p>
@@ -6498,7 +6502,7 @@
           <a:p>
             <a:fld id="{0E2A55ED-DD07-4463-BF52-CBAFC7E1266F}" type="datetimeFigureOut">
               <a:rPr lang="en-US" smtClean="0"/>
-              <a:t>9/25/2012</a:t>
+              <a:t>5/8/2013</a:t>
             </a:fld>
             <a:endParaRPr lang="en-US"/>
           </a:p>
@@ -6678,7 +6682,7 @@
           <a:p>
             <a:fld id="{0E2A55ED-DD07-4463-BF52-CBAFC7E1266F}" type="datetimeFigureOut">
               <a:rPr lang="en-US" smtClean="0"/>
-              <a:t>9/25/2012</a:t>
+              <a:t>5/8/2013</a:t>
             </a:fld>
             <a:endParaRPr lang="en-US"/>
           </a:p>
@@ -8522,13 +8526,11 @@
       </p:grpSpPr>
       <p:pic>
         <p:nvPicPr>
-          <p:cNvPr id="4" name="Content Placeholder 3" descr="Screen Clipping"/>
+          <p:cNvPr id="10" name="Picture 9" descr="Screen Clipping"/>
           <p:cNvPicPr>
-            <a:picLocks noGrp="1" noChangeAspect="1"/>
+            <a:picLocks noChangeAspect="1"/>
           </p:cNvPicPr>
-          <p:nvPr>
-            <p:ph idx="1"/>
-          </p:nvPr>
+          <p:nvPr/>
         </p:nvPicPr>
         <p:blipFill>
           <a:blip r:embed="rId3">
@@ -8544,8 +8546,8 @@
         </p:blipFill>
         <p:spPr>
           <a:xfrm>
-            <a:off x="533400" y="1532758"/>
-            <a:ext cx="7323455" cy="3269264"/>
+            <a:off x="4038600" y="1295400"/>
+            <a:ext cx="4844985" cy="5029200"/>
           </a:xfrm>
           <a:prstGeom prst="rect">
             <a:avLst/>
@@ -8562,6 +8564,48 @@
           </a:effectLst>
         </p:spPr>
       </p:pic>
+      <p:pic>
+        <p:nvPicPr>
+          <p:cNvPr id="6" name="Content Placeholder 5" descr="Screen Clipping"/>
+          <p:cNvPicPr>
+            <a:picLocks noGrp="1" noChangeAspect="1"/>
+          </p:cNvPicPr>
+          <p:nvPr>
+            <p:ph idx="1"/>
+          </p:nvPr>
+        </p:nvPicPr>
+        <p:blipFill>
+          <a:blip r:embed="rId4">
+            <a:extLst>
+              <a:ext uri="{28A0092B-C50C-407E-A947-70E740481C1C}">
+                <a14:useLocalDpi xmlns:a14="http://schemas.microsoft.com/office/drawing/2010/main" val="0"/>
+              </a:ext>
+            </a:extLst>
+          </a:blip>
+          <a:stretch>
+            <a:fillRect/>
+          </a:stretch>
+        </p:blipFill>
+        <p:spPr>
+          <a:xfrm>
+            <a:off x="609596" y="1523999"/>
+            <a:ext cx="3155246" cy="2560320"/>
+          </a:xfrm>
+          <a:prstGeom prst="rect">
+            <a:avLst/>
+          </a:prstGeom>
+          <a:ln>
+            <a:noFill/>
+          </a:ln>
+          <a:effectLst>
+            <a:outerShdw blurRad="292100" dist="139700" dir="2700000" algn="tl" rotWithShape="0">
+              <a:srgbClr val="333333">
+                <a:alpha val="65000"/>
+              </a:srgbClr>
+            </a:outerShdw>
+          </a:effectLst>
+        </p:spPr>
+      </p:pic>
       <p:sp>
         <p:nvSpPr>
           <p:cNvPr id="3" name="Title 2"/>
@@ -8595,7 +8639,7 @@
         </p:nvSpPr>
         <p:spPr>
           <a:xfrm>
-            <a:off x="4343400" y="4421312"/>
+            <a:off x="1838798" y="4419600"/>
             <a:ext cx="1885003" cy="400110"/>
           </a:xfrm>
           <a:prstGeom prst="rect">
@@ -8717,9 +8761,9 @@
           <p:nvPr/>
         </p:nvCxnSpPr>
         <p:spPr>
-          <a:xfrm flipH="1">
-            <a:off x="3581400" y="4621367"/>
-            <a:ext cx="762000" cy="0"/>
+          <a:xfrm flipH="1" flipV="1">
+            <a:off x="1610198" y="3657600"/>
+            <a:ext cx="228600" cy="962055"/>
           </a:xfrm>
           <a:prstGeom prst="straightConnector1">
             <a:avLst/>
@@ -8743,45 +8787,6 @@
           </a:fontRef>
         </p:style>
       </p:cxnSp>
-      <p:pic>
-        <p:nvPicPr>
-          <p:cNvPr id="9" name="Picture 8" descr="Screen Clipping"/>
-          <p:cNvPicPr>
-            <a:picLocks noChangeAspect="1"/>
-          </p:cNvPicPr>
-          <p:nvPr/>
-        </p:nvPicPr>
-        <p:blipFill rotWithShape="1">
-          <a:blip r:embed="rId4">
-            <a:extLst>
-              <a:ext uri="{28A0092B-C50C-407E-A947-70E740481C1C}">
-                <a14:useLocalDpi xmlns:a14="http://schemas.microsoft.com/office/drawing/2010/main" val="0"/>
-              </a:ext>
-            </a:extLst>
-          </a:blip>
-          <a:srcRect l="22472" t="50000"/>
-          <a:stretch/>
-        </p:blipFill>
-        <p:spPr>
-          <a:xfrm>
-            <a:off x="1524000" y="4970980"/>
-            <a:ext cx="7089169" cy="1335350"/>
-          </a:xfrm>
-          <a:prstGeom prst="rect">
-            <a:avLst/>
-          </a:prstGeom>
-          <a:ln>
-            <a:noFill/>
-          </a:ln>
-          <a:effectLst>
-            <a:outerShdw blurRad="292100" dist="139700" dir="2700000" algn="tl" rotWithShape="0">
-              <a:srgbClr val="333333">
-                <a:alpha val="65000"/>
-              </a:srgbClr>
-            </a:outerShdw>
-          </a:effectLst>
-        </p:spPr>
-      </p:pic>
     </p:spTree>
     <p:extLst>
       <p:ext uri="{BB962C8B-B14F-4D97-AF65-F5344CB8AC3E}">
